--- a/基础PPT/JavaSE进阶第二版/第1章：Java数组简介.pptx
+++ b/基础PPT/JavaSE进阶第二版/第1章：Java数组简介.pptx
@@ -10791,6 +10791,14 @@
           </a:bodyPr>
           <a:p>
             <a:r>
+              <a:rPr lang="en-US" altLang="zh-CN"/>
+              <a:t>1</a:t>
+            </a:r>
+            <a:r>
+              <a:rPr lang="zh-CN" altLang="en-US"/>
+              <a:t>、</a:t>
+            </a:r>
+            <a:r>
               <a:rPr lang="zh-CN" altLang="en-US"/>
               <a:t>数组的定义、</a:t>
             </a:r>
@@ -10812,8 +10820,8 @@
         </p:nvSpPr>
         <p:spPr>
           <a:xfrm>
-            <a:off x="1641475" y="2147570"/>
-            <a:ext cx="7904480" cy="368300"/>
+            <a:off x="1642110" y="2147570"/>
+            <a:ext cx="8405495" cy="368300"/>
           </a:xfrm>
           <a:prstGeom prst="rect">
             <a:avLst/>
@@ -10825,6 +10833,14 @@
             <a:spAutoFit/>
           </a:bodyPr>
           <a:p>
+            <a:r>
+              <a:rPr lang="en-US" altLang="zh-CN"/>
+              <a:t>2</a:t>
+            </a:r>
+            <a:r>
+              <a:rPr lang="zh-CN" altLang="en-US"/>
+              <a:t>、</a:t>
+            </a:r>
             <a:r>
               <a:rPr lang="zh-CN" altLang="en-US"/>
               <a:t>练习：产生1到100之间所有奇数组成的数组并输出。要求每10个一行输出</a:t>
@@ -10855,6 +10871,14 @@
           </a:bodyPr>
           <a:p>
             <a:r>
+              <a:rPr lang="en-US" altLang="zh-CN"/>
+              <a:t>3</a:t>
+            </a:r>
+            <a:r>
+              <a:rPr lang="zh-CN" altLang="en-US"/>
+              <a:t>、</a:t>
+            </a:r>
+            <a:r>
               <a:rPr lang="zh-CN" altLang="en-US"/>
               <a:t>字符串转数组</a:t>
             </a:r>
@@ -10884,6 +10908,14 @@
           </a:bodyPr>
           <a:p>
             <a:r>
+              <a:rPr lang="en-US" altLang="zh-CN"/>
+              <a:t>4</a:t>
+            </a:r>
+            <a:r>
+              <a:rPr lang="zh-CN" altLang="en-US"/>
+              <a:t>、</a:t>
+            </a:r>
+            <a:r>
               <a:rPr lang="zh-CN" altLang="en-US"/>
               <a:t>冒泡排序</a:t>
             </a:r>
@@ -10913,6 +10945,14 @@
           </a:bodyPr>
           <a:p>
             <a:r>
+              <a:rPr lang="en-US" altLang="zh-CN"/>
+              <a:t>5</a:t>
+            </a:r>
+            <a:r>
+              <a:rPr lang="zh-CN" altLang="en-US"/>
+              <a:t>、</a:t>
+            </a:r>
+            <a:r>
               <a:rPr lang="zh-CN" altLang="en-US"/>
               <a:t>数组拷贝</a:t>
             </a:r>
@@ -10941,6 +10981,14 @@
             <a:spAutoFit/>
           </a:bodyPr>
           <a:p>
+            <a:r>
+              <a:rPr lang="en-US" altLang="zh-CN"/>
+              <a:t>6</a:t>
+            </a:r>
+            <a:r>
+              <a:rPr lang="zh-CN" altLang="en-US"/>
+              <a:t>、</a:t>
+            </a:r>
             <a:r>
               <a:rPr lang="zh-CN" altLang="en-US"/>
               <a:t>二维数组</a:t>

--- a/基础PPT/JavaSE进阶第二版/第1章：Java数组简介.pptx
+++ b/基础PPT/JavaSE进阶第二版/第1章：Java数组简介.pptx
@@ -12698,7 +12698,7 @@
                 <a:ea typeface="宋体" panose="02010600030101010101" pitchFamily="2" charset="-122"/>
                 <a:cs typeface="宋体" panose="02010600030101010101" pitchFamily="2" charset="-122"/>
               </a:rPr>
-              <a:t>　　　　　　　　　    大小：元素类型字节数 * 元素个数</a:t>
+              <a:t>　　　　　　　　　   大小：元素类型字节数 * 元素个数</a:t>
             </a:r>
             <a:endParaRPr>
               <a:latin typeface="宋体" panose="02010600030101010101" pitchFamily="2" charset="-122"/>
